--- a/images/work1/[WELT] Company Introduction (1).pptx
+++ b/images/work1/[WELT] Company Introduction (1).pptx
@@ -217,7 +217,7 @@
               <a:pPr lvl="0">
                 <a:defRPr/>
               </a:pPr>
-              <a:t>2017. 12. 14.</a:t>
+              <a:t>2018. 2. 8.</a:t>
             </a:fld>
             <a:endParaRPr lang="ko-KR" altLang="en-US"/>
           </a:p>
@@ -731,7 +731,7 @@
           <a:p>
             <a:fld id="{270D07EE-6345-4C06-B2B9-65BC04FB5E0B}" type="datetimeFigureOut">
               <a:rPr lang="ko-KR" altLang="en-US" smtClean="0"/>
-              <a:t>2017. 12. 14.</a:t>
+              <a:t>2018. 2. 8.</a:t>
             </a:fld>
             <a:endParaRPr lang="ko-KR" altLang="en-US"/>
           </a:p>
@@ -901,7 +901,7 @@
           <a:p>
             <a:fld id="{270D07EE-6345-4C06-B2B9-65BC04FB5E0B}" type="datetimeFigureOut">
               <a:rPr lang="ko-KR" altLang="en-US" smtClean="0"/>
-              <a:t>2017. 12. 14.</a:t>
+              <a:t>2018. 2. 8.</a:t>
             </a:fld>
             <a:endParaRPr lang="ko-KR" altLang="en-US"/>
           </a:p>
@@ -1081,7 +1081,7 @@
           <a:p>
             <a:fld id="{270D07EE-6345-4C06-B2B9-65BC04FB5E0B}" type="datetimeFigureOut">
               <a:rPr lang="ko-KR" altLang="en-US" smtClean="0"/>
-              <a:t>2017. 12. 14.</a:t>
+              <a:t>2018. 2. 8.</a:t>
             </a:fld>
             <a:endParaRPr lang="ko-KR" altLang="en-US"/>
           </a:p>
@@ -1251,7 +1251,7 @@
           <a:p>
             <a:fld id="{270D07EE-6345-4C06-B2B9-65BC04FB5E0B}" type="datetimeFigureOut">
               <a:rPr lang="ko-KR" altLang="en-US" smtClean="0"/>
-              <a:t>2017. 12. 14.</a:t>
+              <a:t>2018. 2. 8.</a:t>
             </a:fld>
             <a:endParaRPr lang="ko-KR" altLang="en-US"/>
           </a:p>
@@ -1495,7 +1495,7 @@
           <a:p>
             <a:fld id="{270D07EE-6345-4C06-B2B9-65BC04FB5E0B}" type="datetimeFigureOut">
               <a:rPr lang="ko-KR" altLang="en-US" smtClean="0"/>
-              <a:t>2017. 12. 14.</a:t>
+              <a:t>2018. 2. 8.</a:t>
             </a:fld>
             <a:endParaRPr lang="ko-KR" altLang="en-US"/>
           </a:p>
@@ -1727,7 +1727,7 @@
           <a:p>
             <a:fld id="{270D07EE-6345-4C06-B2B9-65BC04FB5E0B}" type="datetimeFigureOut">
               <a:rPr lang="ko-KR" altLang="en-US" smtClean="0"/>
-              <a:t>2017. 12. 14.</a:t>
+              <a:t>2018. 2. 8.</a:t>
             </a:fld>
             <a:endParaRPr lang="ko-KR" altLang="en-US"/>
           </a:p>
@@ -2094,7 +2094,7 @@
           <a:p>
             <a:fld id="{270D07EE-6345-4C06-B2B9-65BC04FB5E0B}" type="datetimeFigureOut">
               <a:rPr lang="ko-KR" altLang="en-US" smtClean="0"/>
-              <a:t>2017. 12. 14.</a:t>
+              <a:t>2018. 2. 8.</a:t>
             </a:fld>
             <a:endParaRPr lang="ko-KR" altLang="en-US"/>
           </a:p>
@@ -2212,7 +2212,7 @@
           <a:p>
             <a:fld id="{270D07EE-6345-4C06-B2B9-65BC04FB5E0B}" type="datetimeFigureOut">
               <a:rPr lang="ko-KR" altLang="en-US" smtClean="0"/>
-              <a:t>2017. 12. 14.</a:t>
+              <a:t>2018. 2. 8.</a:t>
             </a:fld>
             <a:endParaRPr lang="ko-KR" altLang="en-US"/>
           </a:p>
@@ -2307,7 +2307,7 @@
           <a:p>
             <a:fld id="{270D07EE-6345-4C06-B2B9-65BC04FB5E0B}" type="datetimeFigureOut">
               <a:rPr lang="ko-KR" altLang="en-US" smtClean="0"/>
-              <a:t>2017. 12. 14.</a:t>
+              <a:t>2018. 2. 8.</a:t>
             </a:fld>
             <a:endParaRPr lang="ko-KR" altLang="en-US"/>
           </a:p>
@@ -2584,7 +2584,7 @@
           <a:p>
             <a:fld id="{270D07EE-6345-4C06-B2B9-65BC04FB5E0B}" type="datetimeFigureOut">
               <a:rPr lang="ko-KR" altLang="en-US" smtClean="0"/>
-              <a:t>2017. 12. 14.</a:t>
+              <a:t>2018. 2. 8.</a:t>
             </a:fld>
             <a:endParaRPr lang="ko-KR" altLang="en-US"/>
           </a:p>
@@ -2841,7 +2841,7 @@
           <a:p>
             <a:fld id="{270D07EE-6345-4C06-B2B9-65BC04FB5E0B}" type="datetimeFigureOut">
               <a:rPr lang="ko-KR" altLang="en-US" smtClean="0"/>
-              <a:t>2017. 12. 14.</a:t>
+              <a:t>2018. 2. 8.</a:t>
             </a:fld>
             <a:endParaRPr lang="ko-KR" altLang="en-US"/>
           </a:p>
@@ -3054,7 +3054,7 @@
           <a:p>
             <a:fld id="{270D07EE-6345-4C06-B2B9-65BC04FB5E0B}" type="datetimeFigureOut">
               <a:rPr lang="ko-KR" altLang="en-US" smtClean="0"/>
-              <a:t>2017. 12. 14.</a:t>
+              <a:t>2018. 2. 8.</a:t>
             </a:fld>
             <a:endParaRPr lang="ko-KR" altLang="en-US"/>
           </a:p>
@@ -3481,7 +3481,7 @@
         </p:blipFill>
         <p:spPr>
           <a:xfrm>
-            <a:off x="714875" y="-128662"/>
+            <a:off x="7607608" y="-10748"/>
             <a:ext cx="6925734" cy="6980700"/>
           </a:xfrm>
           <a:prstGeom prst="rect">
@@ -3536,6 +3536,12 @@
               <a:defRPr/>
             </a:pPr>
             <a:endParaRPr lang="en-US" sz="1100">
+              <a:solidFill>
+                <a:schemeClr val="tx1">
+                  <a:lumMod val="75000"/>
+                  <a:lumOff val="25000"/>
+                </a:schemeClr>
+              </a:solidFill>
               <a:latin typeface="Calibri"/>
               <a:ea typeface="Calibri"/>
               <a:cs typeface="Calibri"/>
@@ -3590,6 +3596,12 @@
               <a:defRPr/>
             </a:pPr>
             <a:endParaRPr lang="en-US" sz="1100">
+              <a:solidFill>
+                <a:schemeClr val="tx1">
+                  <a:lumMod val="75000"/>
+                  <a:lumOff val="25000"/>
+                </a:schemeClr>
+              </a:solidFill>
               <a:latin typeface="Calibri"/>
               <a:ea typeface="Calibri"/>
               <a:cs typeface="Calibri"/>
@@ -3644,6 +3656,12 @@
               <a:defRPr/>
             </a:pPr>
             <a:endParaRPr lang="en-US" sz="1100">
+              <a:solidFill>
+                <a:schemeClr val="tx1">
+                  <a:lumMod val="75000"/>
+                  <a:lumOff val="25000"/>
+                </a:schemeClr>
+              </a:solidFill>
               <a:latin typeface="Calibri"/>
               <a:ea typeface="Calibri"/>
               <a:cs typeface="Calibri"/>
@@ -3698,6 +3716,12 @@
               <a:defRPr/>
             </a:pPr>
             <a:endParaRPr lang="en-US" sz="1100">
+              <a:solidFill>
+                <a:schemeClr val="tx1">
+                  <a:lumMod val="75000"/>
+                  <a:lumOff val="25000"/>
+                </a:schemeClr>
+              </a:solidFill>
               <a:latin typeface="Calibri"/>
               <a:ea typeface="Calibri"/>
               <a:cs typeface="Calibri"/>
@@ -3752,6 +3776,12 @@
               <a:defRPr/>
             </a:pPr>
             <a:endParaRPr lang="en-US" sz="1100">
+              <a:solidFill>
+                <a:schemeClr val="tx1">
+                  <a:lumMod val="75000"/>
+                  <a:lumOff val="25000"/>
+                </a:schemeClr>
+              </a:solidFill>
               <a:latin typeface="Calibri"/>
               <a:ea typeface="Calibri"/>
               <a:cs typeface="Calibri"/>
@@ -3767,7 +3797,7 @@
         </p:nvSpPr>
         <p:spPr>
           <a:xfrm>
-            <a:off x="1962762" y="1964945"/>
+            <a:off x="1978664" y="1988798"/>
             <a:ext cx="621563" cy="346983"/>
           </a:xfrm>
           <a:prstGeom prst="roundRect">
@@ -3804,29 +3834,29 @@
               <a:defRPr lang="ko-KR" altLang="en-US"/>
             </a:pPr>
             <a:r>
-              <a:rPr lang="en-US" altLang="ko-KR" sz="1050" b="1" dirty="0">
+              <a:rPr lang="en-US" altLang="ko-KR" sz="800" dirty="0">
                 <a:solidFill>
                   <a:schemeClr val="tx1">
-                    <a:lumMod val="65000"/>
-                    <a:lumOff val="35000"/>
+                    <a:lumMod val="75000"/>
+                    <a:lumOff val="25000"/>
                   </a:schemeClr>
                 </a:solidFill>
-                <a:latin typeface="Calibri"/>
-                <a:ea typeface="Calibri"/>
-                <a:cs typeface="Calibri"/>
+                <a:latin typeface="Roboto Medium" charset="0"/>
+                <a:ea typeface="Roboto Medium" charset="0"/>
+                <a:cs typeface="Roboto Medium" charset="0"/>
               </a:rPr>
               <a:t>USERS</a:t>
             </a:r>
-            <a:endParaRPr lang="ko-KR" altLang="en-US" sz="1050" b="1" dirty="0">
+            <a:endParaRPr lang="ko-KR" altLang="en-US" sz="800" dirty="0">
               <a:solidFill>
                 <a:schemeClr val="tx1">
-                  <a:lumMod val="65000"/>
-                  <a:lumOff val="35000"/>
+                  <a:lumMod val="75000"/>
+                  <a:lumOff val="25000"/>
                 </a:schemeClr>
               </a:solidFill>
-              <a:latin typeface="Calibri"/>
-              <a:ea typeface="Calibri"/>
-              <a:cs typeface="Calibri"/>
+              <a:latin typeface="Roboto Medium" charset="0"/>
+              <a:ea typeface="Roboto Medium" charset="0"/>
+              <a:cs typeface="Roboto Medium" charset="0"/>
             </a:endParaRPr>
           </a:p>
         </p:txBody>
@@ -3839,8 +3869,8 @@
         </p:nvSpPr>
         <p:spPr>
           <a:xfrm>
-            <a:off x="4025913" y="2006510"/>
-            <a:ext cx="1108108" cy="253916"/>
+            <a:off x="4025913" y="2078071"/>
+            <a:ext cx="1108108" cy="215444"/>
           </a:xfrm>
           <a:prstGeom prst="rect">
             <a:avLst/>
@@ -3857,29 +3887,29 @@
               <a:defRPr lang="ko-KR" altLang="en-US"/>
             </a:pPr>
             <a:r>
-              <a:rPr lang="en-US" altLang="ko-KR" sz="1050" b="1">
+              <a:rPr lang="en-US" altLang="ko-KR" sz="800" dirty="0">
                 <a:solidFill>
                   <a:schemeClr val="tx1">
-                    <a:lumMod val="65000"/>
-                    <a:lumOff val="35000"/>
+                    <a:lumMod val="75000"/>
+                    <a:lumOff val="25000"/>
                   </a:schemeClr>
                 </a:solidFill>
-                <a:latin typeface="Calibri"/>
-                <a:ea typeface="Calibri"/>
-                <a:cs typeface="Calibri"/>
+                <a:latin typeface="Roboto Medium" charset="0"/>
+                <a:ea typeface="Roboto Medium" charset="0"/>
+                <a:cs typeface="Roboto Medium" charset="0"/>
               </a:rPr>
               <a:t>WELT Data</a:t>
             </a:r>
-            <a:endParaRPr lang="ko-KR" altLang="en-US" sz="1050" b="1">
+            <a:endParaRPr lang="ko-KR" altLang="en-US" sz="800" dirty="0">
               <a:solidFill>
                 <a:schemeClr val="tx1">
-                  <a:lumMod val="65000"/>
-                  <a:lumOff val="35000"/>
+                  <a:lumMod val="75000"/>
+                  <a:lumOff val="25000"/>
                 </a:schemeClr>
               </a:solidFill>
-              <a:latin typeface="Calibri"/>
-              <a:ea typeface="Calibri"/>
-              <a:cs typeface="Calibri"/>
+              <a:latin typeface="Roboto Medium" charset="0"/>
+              <a:ea typeface="Roboto Medium" charset="0"/>
+              <a:cs typeface="Roboto Medium" charset="0"/>
             </a:endParaRPr>
           </a:p>
         </p:txBody>
@@ -3944,6 +3974,12 @@
                 <a:defRPr lang="ko-KR" altLang="en-US"/>
               </a:pPr>
               <a:endParaRPr lang="ko-KR" altLang="en-US" sz="1100">
+                <a:solidFill>
+                  <a:schemeClr val="tx1">
+                    <a:lumMod val="75000"/>
+                    <a:lumOff val="25000"/>
+                  </a:schemeClr>
+                </a:solidFill>
                 <a:latin typeface="Calibri"/>
                 <a:ea typeface="Calibri"/>
                 <a:cs typeface="Calibri"/>
@@ -3996,6 +4032,12 @@
                 <a:defRPr lang="ko-KR" altLang="en-US"/>
               </a:pPr>
               <a:endParaRPr lang="ko-KR" altLang="en-US" sz="1100">
+                <a:solidFill>
+                  <a:schemeClr val="tx1">
+                    <a:lumMod val="75000"/>
+                    <a:lumOff val="25000"/>
+                  </a:schemeClr>
+                </a:solidFill>
                 <a:latin typeface="Calibri"/>
                 <a:ea typeface="Calibri"/>
                 <a:cs typeface="Calibri"/>
@@ -4048,6 +4090,12 @@
                 <a:defRPr lang="ko-KR" altLang="en-US"/>
               </a:pPr>
               <a:endParaRPr lang="ko-KR" altLang="en-US" sz="1100">
+                <a:solidFill>
+                  <a:schemeClr val="tx1">
+                    <a:lumMod val="75000"/>
+                    <a:lumOff val="25000"/>
+                  </a:schemeClr>
+                </a:solidFill>
                 <a:latin typeface="Calibri"/>
                 <a:ea typeface="Calibri"/>
                 <a:cs typeface="Calibri"/>
@@ -4065,7 +4113,7 @@
         <p:spPr>
           <a:xfrm>
             <a:off x="4177742" y="3063383"/>
-            <a:ext cx="1185793" cy="960263"/>
+            <a:ext cx="1185793" cy="886397"/>
           </a:xfrm>
           <a:prstGeom prst="rect">
             <a:avLst/>
@@ -4085,16 +4133,16 @@
               <a:defRPr lang="ko-KR" altLang="en-US"/>
             </a:pPr>
             <a:r>
-              <a:rPr lang="en-US" altLang="ko-KR" sz="1000" b="1">
+              <a:rPr lang="en-US" altLang="ko-KR" sz="700" dirty="0">
                 <a:solidFill>
                   <a:schemeClr val="tx1">
-                    <a:lumMod val="65000"/>
-                    <a:lumOff val="35000"/>
+                    <a:lumMod val="75000"/>
+                    <a:lumOff val="25000"/>
                   </a:schemeClr>
                 </a:solidFill>
-                <a:latin typeface="Calibri"/>
-                <a:ea typeface="Calibri"/>
-                <a:cs typeface="Calibri"/>
+                <a:latin typeface="Roboto Medium" charset="0"/>
+                <a:ea typeface="Roboto Medium" charset="0"/>
+                <a:cs typeface="Roboto Medium" charset="0"/>
               </a:rPr>
               <a:t>Health data</a:t>
             </a:r>
@@ -4107,16 +4155,16 @@
               <a:defRPr lang="ko-KR" altLang="en-US"/>
             </a:pPr>
             <a:r>
-              <a:rPr lang="en-US" altLang="ko-KR" sz="900">
+              <a:rPr lang="en-US" altLang="ko-KR" sz="700" dirty="0">
                 <a:solidFill>
                   <a:schemeClr val="tx1">
-                    <a:lumMod val="65000"/>
-                    <a:lumOff val="35000"/>
+                    <a:lumMod val="75000"/>
+                    <a:lumOff val="25000"/>
                   </a:schemeClr>
                 </a:solidFill>
-                <a:latin typeface="Calibri"/>
-                <a:ea typeface="Calibri"/>
-                <a:cs typeface="Calibri"/>
+                <a:latin typeface="Roboto Light" charset="0"/>
+                <a:ea typeface="Roboto Light" charset="0"/>
+                <a:cs typeface="Roboto Light" charset="0"/>
               </a:rPr>
               <a:t>Waist size</a:t>
             </a:r>
@@ -4129,16 +4177,16 @@
               <a:defRPr lang="ko-KR" altLang="en-US"/>
             </a:pPr>
             <a:r>
-              <a:rPr lang="en-US" altLang="ko-KR" sz="900">
+              <a:rPr lang="en-US" altLang="ko-KR" sz="700" dirty="0">
                 <a:solidFill>
                   <a:schemeClr val="tx1">
-                    <a:lumMod val="65000"/>
-                    <a:lumOff val="35000"/>
+                    <a:lumMod val="75000"/>
+                    <a:lumOff val="25000"/>
                   </a:schemeClr>
                 </a:solidFill>
-                <a:latin typeface="Calibri"/>
-                <a:ea typeface="Calibri"/>
-                <a:cs typeface="Calibri"/>
+                <a:latin typeface="Roboto Light" charset="0"/>
+                <a:ea typeface="Roboto Light" charset="0"/>
+                <a:cs typeface="Roboto Light" charset="0"/>
               </a:rPr>
               <a:t>Various life habit</a:t>
             </a:r>
@@ -4150,20 +4198,17 @@
               </a:lnSpc>
               <a:defRPr lang="ko-KR" altLang="en-US"/>
             </a:pPr>
-            <a:r>
-              <a:rPr lang="en-US" altLang="ko-KR" sz="1000" b="1">
-                <a:solidFill>
-                  <a:schemeClr val="tx1">
-                    <a:lumMod val="65000"/>
-                    <a:lumOff val="35000"/>
-                  </a:schemeClr>
-                </a:solidFill>
-                <a:latin typeface="Calibri"/>
-                <a:ea typeface="Calibri"/>
-                <a:cs typeface="Calibri"/>
-              </a:rPr>
-              <a:t>Data analysis</a:t>
-            </a:r>
+            <a:endParaRPr lang="en-US" altLang="ko-KR" sz="800" b="1" dirty="0" smtClean="0">
+              <a:solidFill>
+                <a:schemeClr val="tx1">
+                  <a:lumMod val="75000"/>
+                  <a:lumOff val="25000"/>
+                </a:schemeClr>
+              </a:solidFill>
+              <a:latin typeface="Roboto" charset="0"/>
+              <a:ea typeface="Roboto" charset="0"/>
+              <a:cs typeface="Roboto" charset="0"/>
+            </a:endParaRPr>
           </a:p>
           <a:p>
             <a:pPr lvl="0">
@@ -4173,29 +4218,65 @@
               <a:defRPr lang="ko-KR" altLang="en-US"/>
             </a:pPr>
             <a:r>
-              <a:rPr lang="en-US" altLang="ko-KR" sz="900">
+              <a:rPr lang="en-US" altLang="ko-KR" sz="700" dirty="0" smtClean="0">
                 <a:solidFill>
                   <a:schemeClr val="tx1">
-                    <a:lumMod val="65000"/>
-                    <a:lumOff val="35000"/>
+                    <a:lumMod val="75000"/>
+                    <a:lumOff val="25000"/>
                   </a:schemeClr>
                 </a:solidFill>
-                <a:latin typeface="Calibri"/>
-                <a:ea typeface="Calibri"/>
-                <a:cs typeface="Calibri"/>
+                <a:latin typeface="Roboto Medium" charset="0"/>
+                <a:ea typeface="Roboto Medium" charset="0"/>
+                <a:cs typeface="Roboto Medium" charset="0"/>
+              </a:rPr>
+              <a:t>Data </a:t>
+            </a:r>
+            <a:r>
+              <a:rPr lang="en-US" altLang="ko-KR" sz="700" dirty="0">
+                <a:solidFill>
+                  <a:schemeClr val="tx1">
+                    <a:lumMod val="75000"/>
+                    <a:lumOff val="25000"/>
+                  </a:schemeClr>
+                </a:solidFill>
+                <a:latin typeface="Roboto Medium" charset="0"/>
+                <a:ea typeface="Roboto Medium" charset="0"/>
+                <a:cs typeface="Roboto Medium" charset="0"/>
+              </a:rPr>
+              <a:t>analysis</a:t>
+            </a:r>
+          </a:p>
+          <a:p>
+            <a:pPr lvl="0">
+              <a:lnSpc>
+                <a:spcPct val="120000"/>
+              </a:lnSpc>
+              <a:defRPr lang="ko-KR" altLang="en-US"/>
+            </a:pPr>
+            <a:r>
+              <a:rPr lang="en-US" altLang="ko-KR" sz="700" dirty="0">
+                <a:solidFill>
+                  <a:schemeClr val="tx1">
+                    <a:lumMod val="75000"/>
+                    <a:lumOff val="25000"/>
+                  </a:schemeClr>
+                </a:solidFill>
+                <a:latin typeface="Roboto Light" charset="0"/>
+                <a:ea typeface="Roboto Light" charset="0"/>
+                <a:cs typeface="Roboto Light" charset="0"/>
               </a:rPr>
               <a:t>Custom Service</a:t>
             </a:r>
-            <a:endParaRPr lang="en-US" altLang="ko-KR" sz="800">
+            <a:endParaRPr lang="en-US" altLang="ko-KR" sz="600" dirty="0">
               <a:solidFill>
                 <a:schemeClr val="tx1">
-                  <a:lumMod val="65000"/>
-                  <a:lumOff val="35000"/>
+                  <a:lumMod val="75000"/>
+                  <a:lumOff val="25000"/>
                 </a:schemeClr>
               </a:solidFill>
-              <a:latin typeface="Calibri"/>
-              <a:ea typeface="Calibri"/>
-              <a:cs typeface="Calibri"/>
+              <a:latin typeface="Roboto Light" charset="0"/>
+              <a:ea typeface="Roboto Light" charset="0"/>
+              <a:cs typeface="Roboto Light" charset="0"/>
             </a:endParaRPr>
           </a:p>
         </p:txBody>
@@ -4210,14 +4291,13 @@
         </p:nvPicPr>
         <p:blipFill rotWithShape="1">
           <a:blip r:embed="rId4"/>
-          <a:stretch>
-            <a:fillRect/>
-          </a:stretch>
+          <a:srcRect l="-1475"/>
+          <a:stretch/>
         </p:blipFill>
         <p:spPr>
           <a:xfrm>
-            <a:off x="1996794" y="2309565"/>
-            <a:ext cx="607718" cy="625443"/>
+            <a:off x="1987826" y="2309565"/>
+            <a:ext cx="616686" cy="625443"/>
           </a:xfrm>
           <a:prstGeom prst="rect">
             <a:avLst/>
@@ -4232,8 +4312,8 @@
         </p:nvSpPr>
         <p:spPr>
           <a:xfrm>
-            <a:off x="2802685" y="1862189"/>
-            <a:ext cx="545633" cy="261610"/>
+            <a:off x="2818587" y="1870140"/>
+            <a:ext cx="545633" cy="246221"/>
           </a:xfrm>
           <a:prstGeom prst="rect">
             <a:avLst/>
@@ -4250,11 +4330,11 @@
               <a:defRPr lang="ko-KR" altLang="en-US"/>
             </a:pPr>
             <a:r>
-              <a:rPr lang="en-US" altLang="ko-KR" sz="1100">
+              <a:rPr lang="en-US" altLang="ko-KR" sz="1000" dirty="0">
                 <a:solidFill>
                   <a:schemeClr val="tx1">
-                    <a:lumMod val="65000"/>
-                    <a:lumOff val="35000"/>
+                    <a:lumMod val="75000"/>
+                    <a:lumOff val="25000"/>
                   </a:schemeClr>
                 </a:solidFill>
                 <a:latin typeface="Calibri"/>
@@ -4263,11 +4343,11 @@
               </a:rPr>
               <a:t>B2C</a:t>
             </a:r>
-            <a:endParaRPr lang="ko-KR" altLang="en-US" sz="1100" dirty="0">
+            <a:endParaRPr lang="ko-KR" altLang="en-US" sz="1000" dirty="0">
               <a:solidFill>
                 <a:schemeClr val="tx1">
-                  <a:lumMod val="65000"/>
-                  <a:lumOff val="35000"/>
+                  <a:lumMod val="75000"/>
+                  <a:lumOff val="25000"/>
                 </a:schemeClr>
               </a:solidFill>
               <a:latin typeface="Calibri"/>
@@ -4285,8 +4365,8 @@
         </p:nvSpPr>
         <p:spPr>
           <a:xfrm>
-            <a:off x="2820615" y="3141321"/>
-            <a:ext cx="436071" cy="261610"/>
+            <a:off x="2836517" y="3149272"/>
+            <a:ext cx="436071" cy="246221"/>
           </a:xfrm>
           <a:prstGeom prst="rect">
             <a:avLst/>
@@ -4303,11 +4383,11 @@
               <a:defRPr lang="ko-KR" altLang="en-US"/>
             </a:pPr>
             <a:r>
-              <a:rPr lang="en-US" altLang="ko-KR" sz="1100">
+              <a:rPr lang="en-US" altLang="ko-KR" sz="1000">
                 <a:solidFill>
                   <a:schemeClr val="tx1">
-                    <a:lumMod val="65000"/>
-                    <a:lumOff val="35000"/>
+                    <a:lumMod val="75000"/>
+                    <a:lumOff val="25000"/>
                   </a:schemeClr>
                 </a:solidFill>
                 <a:latin typeface="Calibri"/>
@@ -4316,11 +4396,11 @@
               </a:rPr>
               <a:t>B2B</a:t>
             </a:r>
-            <a:endParaRPr lang="ko-KR" altLang="en-US" sz="1100" dirty="0">
+            <a:endParaRPr lang="ko-KR" altLang="en-US" sz="1000" dirty="0">
               <a:solidFill>
                 <a:schemeClr val="tx1">
-                  <a:lumMod val="65000"/>
-                  <a:lumOff val="35000"/>
+                  <a:lumMod val="75000"/>
+                  <a:lumOff val="25000"/>
                 </a:schemeClr>
               </a:solidFill>
               <a:latin typeface="Calibri"/>
@@ -4413,29 +4493,29 @@
               <a:defRPr lang="ko-KR" altLang="en-US"/>
             </a:pPr>
             <a:r>
-              <a:rPr lang="en-US" altLang="ko-KR" sz="1000" b="1">
+              <a:rPr lang="en-US" altLang="ko-KR" sz="800">
                 <a:solidFill>
                   <a:schemeClr val="tx1">
-                    <a:lumMod val="65000"/>
-                    <a:lumOff val="35000"/>
+                    <a:lumMod val="75000"/>
+                    <a:lumOff val="25000"/>
                   </a:schemeClr>
                 </a:solidFill>
-                <a:latin typeface="Calibri"/>
-                <a:ea typeface="Calibri"/>
-                <a:cs typeface="Calibri"/>
+                <a:latin typeface="Roboto Medium" charset="0"/>
+                <a:ea typeface="Roboto Medium" charset="0"/>
+                <a:cs typeface="Roboto Medium" charset="0"/>
               </a:rPr>
               <a:t>DATA</a:t>
             </a:r>
-            <a:endParaRPr lang="ko-KR" altLang="en-US" sz="1000" b="1">
+            <a:endParaRPr lang="ko-KR" altLang="en-US" sz="800">
               <a:solidFill>
                 <a:schemeClr val="tx1">
-                  <a:lumMod val="65000"/>
-                  <a:lumOff val="35000"/>
+                  <a:lumMod val="75000"/>
+                  <a:lumOff val="25000"/>
                 </a:schemeClr>
               </a:solidFill>
-              <a:latin typeface="Calibri"/>
-              <a:ea typeface="Calibri"/>
-              <a:cs typeface="Calibri"/>
+              <a:latin typeface="Roboto Medium" charset="0"/>
+              <a:ea typeface="Roboto Medium" charset="0"/>
+              <a:cs typeface="Roboto Medium" charset="0"/>
             </a:endParaRPr>
           </a:p>
         </p:txBody>
@@ -4523,29 +4603,29 @@
               <a:defRPr lang="ko-KR" altLang="en-US"/>
             </a:pPr>
             <a:r>
-              <a:rPr lang="en-US" altLang="ko-KR" sz="1000" b="1">
+              <a:rPr lang="en-US" altLang="ko-KR" sz="800">
                 <a:solidFill>
                   <a:schemeClr val="tx1">
-                    <a:lumMod val="65000"/>
-                    <a:lumOff val="35000"/>
+                    <a:lumMod val="75000"/>
+                    <a:lumOff val="25000"/>
                   </a:schemeClr>
                 </a:solidFill>
-                <a:latin typeface="Calibri"/>
-                <a:ea typeface="Calibri"/>
-                <a:cs typeface="Calibri"/>
+                <a:latin typeface="Roboto Medium" charset="0"/>
+                <a:ea typeface="Roboto Medium" charset="0"/>
+                <a:cs typeface="Roboto Medium" charset="0"/>
               </a:rPr>
               <a:t>SERVICE</a:t>
             </a:r>
-            <a:endParaRPr lang="ko-KR" altLang="en-US" sz="1000" b="1">
+            <a:endParaRPr lang="ko-KR" altLang="en-US" sz="800">
               <a:solidFill>
                 <a:schemeClr val="tx1">
-                  <a:lumMod val="65000"/>
-                  <a:lumOff val="35000"/>
+                  <a:lumMod val="75000"/>
+                  <a:lumOff val="25000"/>
                 </a:schemeClr>
               </a:solidFill>
-              <a:latin typeface="Calibri"/>
-              <a:ea typeface="Calibri"/>
-              <a:cs typeface="Calibri"/>
+              <a:latin typeface="Roboto Medium" charset="0"/>
+              <a:ea typeface="Roboto Medium" charset="0"/>
+              <a:cs typeface="Roboto Medium" charset="0"/>
             </a:endParaRPr>
           </a:p>
         </p:txBody>
@@ -4595,16 +4675,16 @@
               <a:defRPr lang="ko-KR" altLang="en-US"/>
             </a:pPr>
             <a:r>
-              <a:rPr lang="en-US" altLang="ko-KR" sz="1000" b="1">
+              <a:rPr lang="en-US" altLang="ko-KR" sz="800" dirty="0">
                 <a:solidFill>
                   <a:schemeClr val="tx1">
-                    <a:lumMod val="65000"/>
-                    <a:lumOff val="35000"/>
+                    <a:lumMod val="75000"/>
+                    <a:lumOff val="25000"/>
                   </a:schemeClr>
                 </a:solidFill>
-                <a:latin typeface="Calibri"/>
-                <a:ea typeface="Calibri"/>
-                <a:cs typeface="Calibri"/>
+                <a:latin typeface="Roboto Medium" charset="0"/>
+                <a:ea typeface="Roboto Medium" charset="0"/>
+                <a:cs typeface="Roboto Medium" charset="0"/>
               </a:rPr>
               <a:t>RESEARCH</a:t>
             </a:r>
@@ -4614,29 +4694,29 @@
               <a:defRPr lang="ko-KR" altLang="en-US"/>
             </a:pPr>
             <a:r>
-              <a:rPr lang="en-US" altLang="ko-KR" sz="1000" b="1">
+              <a:rPr lang="en-US" altLang="ko-KR" sz="800" dirty="0">
                 <a:solidFill>
                   <a:schemeClr val="tx1">
-                    <a:lumMod val="65000"/>
-                    <a:lumOff val="35000"/>
+                    <a:lumMod val="75000"/>
+                    <a:lumOff val="25000"/>
                   </a:schemeClr>
                 </a:solidFill>
-                <a:latin typeface="Calibri"/>
-                <a:ea typeface="Calibri"/>
-                <a:cs typeface="Calibri"/>
+                <a:latin typeface="Roboto Medium" charset="0"/>
+                <a:ea typeface="Roboto Medium" charset="0"/>
+                <a:cs typeface="Roboto Medium" charset="0"/>
               </a:rPr>
               <a:t>&amp; SERVICE</a:t>
             </a:r>
-            <a:endParaRPr lang="ko-KR" altLang="en-US" sz="1000" b="1">
+            <a:endParaRPr lang="ko-KR" altLang="en-US" sz="800" dirty="0">
               <a:solidFill>
                 <a:schemeClr val="tx1">
-                  <a:lumMod val="65000"/>
-                  <a:lumOff val="35000"/>
+                  <a:lumMod val="75000"/>
+                  <a:lumOff val="25000"/>
                 </a:schemeClr>
               </a:solidFill>
-              <a:latin typeface="Calibri"/>
-              <a:ea typeface="Calibri"/>
-              <a:cs typeface="Calibri"/>
+              <a:latin typeface="Roboto Medium" charset="0"/>
+              <a:ea typeface="Roboto Medium" charset="0"/>
+              <a:cs typeface="Roboto Medium" charset="0"/>
             </a:endParaRPr>
           </a:p>
         </p:txBody>
@@ -4688,8 +4768,8 @@
         </p:nvSpPr>
         <p:spPr>
           <a:xfrm>
-            <a:off x="5591524" y="1892208"/>
-            <a:ext cx="1306137" cy="415498"/>
+            <a:off x="5591524" y="2074988"/>
+            <a:ext cx="1361362" cy="215444"/>
           </a:xfrm>
           <a:prstGeom prst="rect">
             <a:avLst/>
@@ -4706,48 +4786,43 @@
               <a:defRPr lang="ko-KR" altLang="en-US"/>
             </a:pPr>
             <a:r>
-              <a:rPr lang="en-US" altLang="ko-KR" sz="1050" b="1">
+              <a:rPr lang="en-US" altLang="ko-KR" sz="800">
                 <a:solidFill>
                   <a:schemeClr val="tx1">
-                    <a:lumMod val="65000"/>
-                    <a:lumOff val="35000"/>
+                    <a:lumMod val="75000"/>
+                    <a:lumOff val="25000"/>
                   </a:schemeClr>
                 </a:solidFill>
-                <a:latin typeface="Calibri"/>
-                <a:ea typeface="Calibri"/>
-                <a:cs typeface="Calibri"/>
+                <a:latin typeface="Roboto Medium" charset="0"/>
+                <a:ea typeface="Roboto Medium" charset="0"/>
+                <a:cs typeface="Roboto Medium" charset="0"/>
               </a:rPr>
               <a:t>Health </a:t>
             </a:r>
-          </a:p>
-          <a:p>
-            <a:pPr algn="ctr">
-              <a:defRPr lang="ko-KR" altLang="en-US"/>
-            </a:pPr>
-            <a:r>
-              <a:rPr lang="en-US" altLang="ko-KR" sz="1050" b="1" dirty="0">
+            <a:r>
+              <a:rPr lang="en-US" altLang="ko-KR" sz="800" smtClean="0">
                 <a:solidFill>
                   <a:schemeClr val="tx1">
-                    <a:lumMod val="65000"/>
-                    <a:lumOff val="35000"/>
+                    <a:lumMod val="75000"/>
+                    <a:lumOff val="25000"/>
                   </a:schemeClr>
                 </a:solidFill>
-                <a:latin typeface="Calibri"/>
-                <a:ea typeface="Calibri"/>
-                <a:cs typeface="Calibri"/>
+                <a:latin typeface="Roboto Medium" charset="0"/>
+                <a:ea typeface="Roboto Medium" charset="0"/>
+                <a:cs typeface="Roboto Medium" charset="0"/>
               </a:rPr>
               <a:t>Partnership</a:t>
             </a:r>
-            <a:endParaRPr lang="ko-KR" altLang="en-US" sz="1050" b="1" dirty="0">
+            <a:endParaRPr lang="ko-KR" altLang="en-US" sz="800" dirty="0">
               <a:solidFill>
                 <a:schemeClr val="tx1">
-                  <a:lumMod val="65000"/>
-                  <a:lumOff val="35000"/>
+                  <a:lumMod val="75000"/>
+                  <a:lumOff val="25000"/>
                 </a:schemeClr>
               </a:solidFill>
-              <a:latin typeface="Calibri"/>
-              <a:ea typeface="Calibri"/>
-              <a:cs typeface="Calibri"/>
+              <a:latin typeface="Roboto Medium" charset="0"/>
+              <a:ea typeface="Roboto Medium" charset="0"/>
+              <a:cs typeface="Roboto Medium" charset="0"/>
             </a:endParaRPr>
           </a:p>
         </p:txBody>
@@ -4760,7 +4835,7 @@
         </p:nvSpPr>
         <p:spPr>
           <a:xfrm>
-            <a:off x="2448531" y="3479602"/>
+            <a:off x="2448531" y="3431896"/>
             <a:ext cx="1180237" cy="241935"/>
           </a:xfrm>
           <a:prstGeom prst="roundRect">
@@ -4797,29 +4872,29 @@
               <a:defRPr lang="ko-KR" altLang="en-US"/>
             </a:pPr>
             <a:r>
-              <a:rPr lang="en-US" altLang="ko-KR" sz="1000">
+              <a:rPr lang="en-US" altLang="ko-KR" sz="700" dirty="0">
                 <a:solidFill>
                   <a:schemeClr val="tx1">
-                    <a:lumMod val="65000"/>
-                    <a:lumOff val="35000"/>
+                    <a:lumMod val="75000"/>
+                    <a:lumOff val="25000"/>
                   </a:schemeClr>
                 </a:solidFill>
-                <a:latin typeface="Calibri"/>
-                <a:ea typeface="Calibri"/>
-                <a:cs typeface="Calibri"/>
+                <a:latin typeface="Roboto Light" charset="0"/>
+                <a:ea typeface="Roboto Light" charset="0"/>
+                <a:cs typeface="Roboto Light" charset="0"/>
               </a:rPr>
               <a:t>Fashion collaboration</a:t>
             </a:r>
-            <a:endParaRPr lang="ko-KR" altLang="en-US" sz="1000">
+            <a:endParaRPr lang="ko-KR" altLang="en-US" sz="700" dirty="0">
               <a:solidFill>
                 <a:schemeClr val="tx1">
-                  <a:lumMod val="65000"/>
-                  <a:lumOff val="35000"/>
+                  <a:lumMod val="75000"/>
+                  <a:lumOff val="25000"/>
                 </a:schemeClr>
               </a:solidFill>
-              <a:latin typeface="Calibri"/>
-              <a:ea typeface="Calibri"/>
-              <a:cs typeface="Calibri"/>
+              <a:latin typeface="Roboto Light" charset="0"/>
+              <a:ea typeface="Roboto Light" charset="0"/>
+              <a:cs typeface="Roboto Light" charset="0"/>
             </a:endParaRPr>
           </a:p>
         </p:txBody>
@@ -4832,7 +4907,7 @@
         </p:nvSpPr>
         <p:spPr>
           <a:xfrm>
-            <a:off x="2638327" y="2115090"/>
+            <a:off x="2678082" y="2115090"/>
             <a:ext cx="1006775" cy="241935"/>
           </a:xfrm>
           <a:prstGeom prst="roundRect">
@@ -4869,29 +4944,29 @@
               <a:defRPr lang="ko-KR" altLang="en-US"/>
             </a:pPr>
             <a:r>
-              <a:rPr lang="en-US" altLang="ko-KR" sz="1000">
+              <a:rPr lang="en-US" altLang="ko-KR" sz="700" dirty="0">
                 <a:solidFill>
                   <a:schemeClr val="tx1">
-                    <a:lumMod val="65000"/>
-                    <a:lumOff val="35000"/>
+                    <a:lumMod val="75000"/>
+                    <a:lumOff val="25000"/>
                   </a:schemeClr>
                 </a:solidFill>
-                <a:latin typeface="Calibri"/>
-                <a:ea typeface="Calibri"/>
-                <a:cs typeface="Calibri"/>
+                <a:latin typeface="Roboto Light" charset="0"/>
+                <a:ea typeface="Roboto Light" charset="0"/>
+                <a:cs typeface="Roboto Light" charset="0"/>
               </a:rPr>
               <a:t>Direct Sales</a:t>
             </a:r>
-            <a:endParaRPr lang="ko-KR" altLang="en-US" sz="1000">
+            <a:endParaRPr lang="ko-KR" altLang="en-US" sz="700" dirty="0">
               <a:solidFill>
                 <a:schemeClr val="tx1">
-                  <a:lumMod val="65000"/>
-                  <a:lumOff val="35000"/>
+                  <a:lumMod val="75000"/>
+                  <a:lumOff val="25000"/>
                 </a:schemeClr>
               </a:solidFill>
-              <a:latin typeface="Calibri"/>
-              <a:ea typeface="Calibri"/>
-              <a:cs typeface="Calibri"/>
+              <a:latin typeface="Roboto Light" charset="0"/>
+              <a:ea typeface="Roboto Light" charset="0"/>
+              <a:cs typeface="Roboto Light" charset="0"/>
             </a:endParaRPr>
           </a:p>
         </p:txBody>
@@ -4929,7 +5004,7 @@
         <p:spPr>
           <a:xfrm>
             <a:off x="5845661" y="3073543"/>
-            <a:ext cx="1031375" cy="1200329"/>
+            <a:ext cx="1052000" cy="784830"/>
           </a:xfrm>
           <a:prstGeom prst="rect">
             <a:avLst/>
@@ -4943,154 +5018,226 @@
           <a:lstStyle/>
           <a:p>
             <a:pPr>
+              <a:lnSpc>
+                <a:spcPts val="940"/>
+              </a:lnSpc>
               <a:defRPr lang="ko-KR" altLang="en-US"/>
             </a:pPr>
             <a:r>
-              <a:rPr lang="en-US" altLang="ko-KR" sz="900">
+              <a:rPr lang="en-US" altLang="ko-KR" sz="700" dirty="0">
                 <a:solidFill>
                   <a:schemeClr val="tx1">
-                    <a:lumMod val="65000"/>
-                    <a:lumOff val="35000"/>
+                    <a:lumMod val="75000"/>
+                    <a:lumOff val="25000"/>
                   </a:schemeClr>
                 </a:solidFill>
-                <a:latin typeface="Calibri"/>
-                <a:ea typeface="Calibri"/>
-                <a:cs typeface="Calibri"/>
+                <a:latin typeface="Roboto Light" charset="0"/>
+                <a:ea typeface="Roboto Light" charset="0"/>
+                <a:cs typeface="Roboto Light" charset="0"/>
               </a:rPr>
               <a:t>- Hospital</a:t>
             </a:r>
           </a:p>
           <a:p>
             <a:pPr>
+              <a:lnSpc>
+                <a:spcPts val="940"/>
+              </a:lnSpc>
               <a:defRPr lang="ko-KR" altLang="en-US"/>
             </a:pPr>
             <a:r>
-              <a:rPr lang="en-US" altLang="ko-KR" sz="900">
+              <a:rPr lang="en-US" altLang="ko-KR" sz="700" dirty="0">
                 <a:solidFill>
                   <a:schemeClr val="tx1">
-                    <a:lumMod val="65000"/>
-                    <a:lumOff val="35000"/>
+                    <a:lumMod val="75000"/>
+                    <a:lumOff val="25000"/>
                   </a:schemeClr>
                 </a:solidFill>
-                <a:latin typeface="Calibri"/>
-                <a:ea typeface="Calibri"/>
-                <a:cs typeface="Calibri"/>
+                <a:latin typeface="Roboto Light" charset="0"/>
+                <a:ea typeface="Roboto Light" charset="0"/>
+                <a:cs typeface="Roboto Light" charset="0"/>
               </a:rPr>
-              <a:t>- Insurance</a:t>
-            </a:r>
+              <a:t>- </a:t>
+            </a:r>
+            <a:r>
+              <a:rPr lang="en-US" altLang="ko-KR" sz="700" dirty="0" smtClean="0">
+                <a:solidFill>
+                  <a:schemeClr val="tx1">
+                    <a:lumMod val="75000"/>
+                    <a:lumOff val="25000"/>
+                  </a:schemeClr>
+                </a:solidFill>
+                <a:latin typeface="Roboto Light" charset="0"/>
+                <a:ea typeface="Roboto Light" charset="0"/>
+                <a:cs typeface="Roboto Light" charset="0"/>
+              </a:rPr>
+              <a:t>Insurance company</a:t>
+            </a:r>
+            <a:endParaRPr lang="en-US" altLang="ko-KR" sz="700" dirty="0">
+              <a:solidFill>
+                <a:schemeClr val="tx1">
+                  <a:lumMod val="75000"/>
+                  <a:lumOff val="25000"/>
+                </a:schemeClr>
+              </a:solidFill>
+              <a:latin typeface="Roboto Light" charset="0"/>
+              <a:ea typeface="Roboto Light" charset="0"/>
+              <a:cs typeface="Roboto Light" charset="0"/>
+            </a:endParaRPr>
           </a:p>
           <a:p>
             <a:pPr>
+              <a:lnSpc>
+                <a:spcPts val="940"/>
+              </a:lnSpc>
               <a:defRPr lang="ko-KR" altLang="en-US"/>
             </a:pPr>
             <a:r>
-              <a:rPr lang="en-US" altLang="ko-KR" sz="900">
+              <a:rPr lang="en-US" altLang="ko-KR" sz="700" dirty="0">
                 <a:solidFill>
                   <a:schemeClr val="tx1">
-                    <a:lumMod val="65000"/>
-                    <a:lumOff val="35000"/>
+                    <a:lumMod val="75000"/>
+                    <a:lumOff val="25000"/>
                   </a:schemeClr>
                 </a:solidFill>
-                <a:latin typeface="Calibri"/>
-                <a:ea typeface="Calibri"/>
-                <a:cs typeface="Calibri"/>
+                <a:latin typeface="Roboto Light" charset="0"/>
+                <a:ea typeface="Roboto Light" charset="0"/>
+                <a:cs typeface="Roboto Light" charset="0"/>
               </a:rPr>
-              <a:t>- Healthcare   </a:t>
-            </a:r>
+              <a:t>- </a:t>
+            </a:r>
+            <a:r>
+              <a:rPr lang="en-US" altLang="ko-KR" sz="700" dirty="0" smtClean="0">
+                <a:solidFill>
+                  <a:schemeClr val="tx1">
+                    <a:lumMod val="75000"/>
+                    <a:lumOff val="25000"/>
+                  </a:schemeClr>
+                </a:solidFill>
+                <a:latin typeface="Roboto Light" charset="0"/>
+                <a:ea typeface="Roboto Light" charset="0"/>
+                <a:cs typeface="Roboto Light" charset="0"/>
+              </a:rPr>
+              <a:t>Healthcare company</a:t>
+            </a:r>
+            <a:endParaRPr lang="en-US" altLang="ko-KR" sz="700" dirty="0">
+              <a:solidFill>
+                <a:schemeClr val="tx1">
+                  <a:lumMod val="75000"/>
+                  <a:lumOff val="25000"/>
+                </a:schemeClr>
+              </a:solidFill>
+              <a:latin typeface="Roboto Light" charset="0"/>
+              <a:ea typeface="Roboto Light" charset="0"/>
+              <a:cs typeface="Roboto Light" charset="0"/>
+            </a:endParaRPr>
           </a:p>
           <a:p>
             <a:pPr>
+              <a:lnSpc>
+                <a:spcPts val="940"/>
+              </a:lnSpc>
               <a:defRPr lang="ko-KR" altLang="en-US"/>
             </a:pPr>
             <a:r>
-              <a:rPr lang="en-US" altLang="ko-KR" sz="900">
+              <a:rPr lang="en-US" altLang="ko-KR" sz="700" dirty="0">
                 <a:solidFill>
                   <a:schemeClr val="tx1">
-                    <a:lumMod val="65000"/>
-                    <a:lumOff val="35000"/>
+                    <a:lumMod val="75000"/>
+                    <a:lumOff val="25000"/>
                   </a:schemeClr>
                 </a:solidFill>
-                <a:latin typeface="Calibri"/>
-                <a:ea typeface="Calibri"/>
-                <a:cs typeface="Calibri"/>
+                <a:latin typeface="Roboto Light" charset="0"/>
+                <a:ea typeface="Roboto Light" charset="0"/>
+                <a:cs typeface="Roboto Light" charset="0"/>
               </a:rPr>
-              <a:t>  company</a:t>
+              <a:t>- University</a:t>
             </a:r>
           </a:p>
           <a:p>
             <a:pPr>
+              <a:lnSpc>
+                <a:spcPts val="940"/>
+              </a:lnSpc>
               <a:defRPr lang="ko-KR" altLang="en-US"/>
             </a:pPr>
             <a:r>
-              <a:rPr lang="en-US" altLang="ko-KR" sz="900">
+              <a:rPr lang="en-US" altLang="ko-KR" sz="700" dirty="0">
                 <a:solidFill>
                   <a:schemeClr val="tx1">
-                    <a:lumMod val="65000"/>
-                    <a:lumOff val="35000"/>
+                    <a:lumMod val="75000"/>
+                    <a:lumOff val="25000"/>
                   </a:schemeClr>
                 </a:solidFill>
-                <a:latin typeface="Calibri"/>
-                <a:ea typeface="Calibri"/>
-                <a:cs typeface="Calibri"/>
+                <a:latin typeface="Roboto Light" charset="0"/>
+                <a:ea typeface="Roboto Light" charset="0"/>
+                <a:cs typeface="Roboto Light" charset="0"/>
               </a:rPr>
-              <a:t>- University</a:t>
+              <a:t>- Government</a:t>
             </a:r>
           </a:p>
           <a:p>
             <a:pPr>
+              <a:lnSpc>
+                <a:spcPts val="940"/>
+              </a:lnSpc>
               <a:defRPr lang="ko-KR" altLang="en-US"/>
             </a:pPr>
             <a:r>
-              <a:rPr lang="en-US" altLang="ko-KR" sz="900">
+              <a:rPr lang="en-US" altLang="ko-KR" sz="700" dirty="0" smtClean="0">
                 <a:solidFill>
                   <a:schemeClr val="tx1">
-                    <a:lumMod val="65000"/>
-                    <a:lumOff val="35000"/>
+                    <a:lumMod val="75000"/>
+                    <a:lumOff val="25000"/>
                   </a:schemeClr>
                 </a:solidFill>
-                <a:latin typeface="Calibri"/>
-                <a:ea typeface="Calibri"/>
-                <a:cs typeface="Calibri"/>
+                <a:latin typeface="Roboto Light" charset="0"/>
+                <a:ea typeface="Roboto Light" charset="0"/>
+                <a:cs typeface="Roboto Light" charset="0"/>
               </a:rPr>
-              <a:t>- Government</a:t>
-            </a:r>
-          </a:p>
-          <a:p>
-            <a:pPr>
-              <a:defRPr lang="ko-KR" altLang="en-US"/>
-            </a:pPr>
-            <a:r>
-              <a:rPr lang="en-US" altLang="ko-KR" sz="900">
+              <a:t>-</a:t>
+            </a:r>
+            <a:r>
+              <a:rPr lang="en-US" altLang="ko-KR" sz="700" dirty="0">
                 <a:solidFill>
                   <a:schemeClr val="tx1">
-                    <a:lumMod val="65000"/>
-                    <a:lumOff val="35000"/>
+                    <a:lumMod val="75000"/>
+                    <a:lumOff val="25000"/>
                   </a:schemeClr>
                 </a:solidFill>
-                <a:latin typeface="Calibri"/>
-                <a:ea typeface="Calibri"/>
-                <a:cs typeface="Calibri"/>
+                <a:latin typeface="Roboto Light" charset="0"/>
+                <a:ea typeface="Roboto Light" charset="0"/>
+                <a:cs typeface="Roboto Light" charset="0"/>
               </a:rPr>
-              <a:t>- Corporate  </a:t>
-            </a:r>
-          </a:p>
-          <a:p>
-            <a:pPr>
-              <a:defRPr lang="ko-KR" altLang="en-US"/>
-            </a:pPr>
-            <a:r>
-              <a:rPr lang="en-US" altLang="ko-KR" sz="900">
+              <a:t> </a:t>
+            </a:r>
+            <a:r>
+              <a:rPr lang="en-US" altLang="ko-KR" sz="700" dirty="0" smtClean="0">
                 <a:solidFill>
                   <a:schemeClr val="tx1">
-                    <a:lumMod val="65000"/>
-                    <a:lumOff val="35000"/>
+                    <a:lumMod val="75000"/>
+                    <a:lumOff val="25000"/>
                   </a:schemeClr>
                 </a:solidFill>
-                <a:latin typeface="Calibri"/>
-                <a:ea typeface="Calibri"/>
-                <a:cs typeface="Calibri"/>
+                <a:latin typeface="Roboto Light" charset="0"/>
+                <a:ea typeface="Roboto Light" charset="0"/>
+                <a:cs typeface="Roboto Light" charset="0"/>
               </a:rPr>
-              <a:t>  wellness</a:t>
+              <a:t>Corporate </a:t>
+            </a:r>
+            <a:r>
+              <a:rPr lang="en-US" altLang="ko-KR" sz="700" dirty="0">
+                <a:solidFill>
+                  <a:schemeClr val="tx1">
+                    <a:lumMod val="75000"/>
+                    <a:lumOff val="25000"/>
+                  </a:schemeClr>
+                </a:solidFill>
+                <a:latin typeface="Roboto Light" charset="0"/>
+                <a:ea typeface="Roboto Light" charset="0"/>
+                <a:cs typeface="Roboto Light" charset="0"/>
+              </a:rPr>
+              <a:t>wellness</a:t>
             </a:r>
           </a:p>
         </p:txBody>
